--- a/teach/fall_21/slides/ds_12.pptx
+++ b/teach/fall_21/slides/ds_12.pptx
@@ -4471,7 +4471,7 @@
           <a:graphicData uri="http://schemas.openxmlformats.org/presentationml/2006/ole">
             <mc:AlternateContent xmlns:mc="http://schemas.openxmlformats.org/markup-compatibility/2006">
               <mc:Choice xmlns:v="urn:schemas-microsoft-com:vml" Requires="v">
-                <p:oleObj spid="_x0000_s114689" name="VISIO" r:id="rId3" imgW="4689544" imgH="2395148" progId="Visio.Drawing.6">
+                <p:oleObj spid="_x0000_s114690" name="VISIO" r:id="rId3" imgW="4689544" imgH="2395148" progId="Visio.Drawing.6">
                   <p:embed/>
                 </p:oleObj>
               </mc:Choice>
@@ -6966,7 +6966,7 @@
           <a:graphicData uri="http://schemas.openxmlformats.org/presentationml/2006/ole">
             <mc:AlternateContent xmlns:mc="http://schemas.openxmlformats.org/markup-compatibility/2006">
               <mc:Choice xmlns:v="urn:schemas-microsoft-com:vml" Requires="v">
-                <p:oleObj spid="_x0000_s115713" name="Visio" r:id="rId3" imgW="9791700" imgH="7327900" progId="Visio.Drawing.6">
+                <p:oleObj spid="_x0000_s115714" name="Visio" r:id="rId3" imgW="9791700" imgH="7327900" progId="Visio.Drawing.6">
                   <p:embed/>
                 </p:oleObj>
               </mc:Choice>
@@ -8274,7 +8274,7 @@
           <a:graphicData uri="http://schemas.openxmlformats.org/presentationml/2006/ole">
             <mc:AlternateContent xmlns:mc="http://schemas.openxmlformats.org/markup-compatibility/2006">
               <mc:Choice xmlns:v="urn:schemas-microsoft-com:vml" Requires="v">
-                <p:oleObj spid="_x0000_s111617" name="Visio" r:id="rId3" imgW="9715500" imgH="5207000" progId="Visio.Drawing.6">
+                <p:oleObj spid="_x0000_s111618" name="Visio" r:id="rId3" imgW="9715500" imgH="5207000" progId="Visio.Drawing.6">
                   <p:embed/>
                 </p:oleObj>
               </mc:Choice>
@@ -9148,7 +9148,7 @@
           <a:graphicData uri="http://schemas.openxmlformats.org/presentationml/2006/ole">
             <mc:AlternateContent xmlns:mc="http://schemas.openxmlformats.org/markup-compatibility/2006">
               <mc:Choice xmlns:v="urn:schemas-microsoft-com:vml" Requires="v">
-                <p:oleObj spid="_x0000_s112641" name="Visio" r:id="rId3" imgW="9715500" imgH="5207000" progId="Visio.Drawing.6">
+                <p:oleObj spid="_x0000_s112642" name="Visio" r:id="rId3" imgW="9715500" imgH="5207000" progId="Visio.Drawing.6">
                   <p:embed/>
                 </p:oleObj>
               </mc:Choice>
@@ -9710,7 +9710,7 @@
           <a:graphicData uri="http://schemas.openxmlformats.org/presentationml/2006/ole">
             <mc:AlternateContent xmlns:mc="http://schemas.openxmlformats.org/markup-compatibility/2006">
               <mc:Choice xmlns:v="urn:schemas-microsoft-com:vml" Requires="v">
-                <p:oleObj spid="_x0000_s113665" name="VISIO" r:id="rId3" imgW="6348984" imgH="3473196" progId="Visio.Drawing.6">
+                <p:oleObj spid="_x0000_s113668" name="VISIO" r:id="rId3" imgW="6348984" imgH="3473196" progId="Visio.Drawing.6">
                   <p:embed/>
                 </p:oleObj>
               </mc:Choice>
@@ -9805,7 +9805,7 @@
           <a:graphicData uri="http://schemas.openxmlformats.org/presentationml/2006/ole">
             <mc:AlternateContent xmlns:mc="http://schemas.openxmlformats.org/markup-compatibility/2006">
               <mc:Choice xmlns:v="urn:schemas-microsoft-com:vml" Requires="v">
-                <p:oleObj spid="_x0000_s113666" name="Worksheet" r:id="rId5" imgW="1168400" imgH="2057400" progId="Excel.Sheet.8">
+                <p:oleObj spid="_x0000_s113669" name="Worksheet" r:id="rId5" imgW="1168400" imgH="2057400" progId="Excel.Sheet.8">
                   <p:embed/>
                 </p:oleObj>
               </mc:Choice>
@@ -9900,7 +9900,7 @@
           <a:graphicData uri="http://schemas.openxmlformats.org/presentationml/2006/ole">
             <mc:AlternateContent xmlns:mc="http://schemas.openxmlformats.org/markup-compatibility/2006">
               <mc:Choice xmlns:v="urn:schemas-microsoft-com:vml" Requires="v">
-                <p:oleObj spid="_x0000_s113667" name="Worksheet" r:id="rId7" imgW="1168400" imgH="2057400" progId="Excel.Sheet.8">
+                <p:oleObj spid="_x0000_s113670" name="Worksheet" r:id="rId7" imgW="1168400" imgH="2057400" progId="Excel.Sheet.8">
                   <p:embed/>
                 </p:oleObj>
               </mc:Choice>
